--- a/presentatie.pptx
+++ b/presentatie.pptx
@@ -70,7 +70,7 @@
         <p:spPr>
           <a:xfrm>
             <a:off x="576000" y="207000"/>
-            <a:ext cx="11040480" cy="1151280"/>
+            <a:ext cx="11040120" cy="1150920"/>
           </a:xfrm>
           <a:prstGeom prst="rect">
             <a:avLst/>
@@ -99,7 +99,7 @@
         <p:spPr>
           <a:xfrm>
             <a:off x="609480" y="1604520"/>
-            <a:ext cx="10972440" cy="1896840"/>
+            <a:ext cx="10972080" cy="1896840"/>
           </a:xfrm>
           <a:prstGeom prst="rect">
             <a:avLst/>
@@ -129,7 +129,7 @@
         <p:spPr>
           <a:xfrm>
             <a:off x="609480" y="3682080"/>
-            <a:ext cx="10972440" cy="1896840"/>
+            <a:ext cx="10972080" cy="1896840"/>
           </a:xfrm>
           <a:prstGeom prst="rect">
             <a:avLst/>
@@ -181,7 +181,7 @@
         <p:spPr>
           <a:xfrm>
             <a:off x="576000" y="207000"/>
-            <a:ext cx="11040480" cy="1151280"/>
+            <a:ext cx="11040120" cy="1150920"/>
           </a:xfrm>
           <a:prstGeom prst="rect">
             <a:avLst/>
@@ -352,7 +352,7 @@
         <p:spPr>
           <a:xfrm>
             <a:off x="576000" y="207000"/>
-            <a:ext cx="11040480" cy="1151280"/>
+            <a:ext cx="11040120" cy="1150920"/>
           </a:xfrm>
           <a:prstGeom prst="rect">
             <a:avLst/>
@@ -381,7 +381,7 @@
         <p:spPr>
           <a:xfrm>
             <a:off x="609480" y="1604520"/>
-            <a:ext cx="3533040" cy="1896840"/>
+            <a:ext cx="3532680" cy="1896840"/>
           </a:xfrm>
           <a:prstGeom prst="rect">
             <a:avLst/>
@@ -410,8 +410,8 @@
         </p:nvSpPr>
         <p:spPr>
           <a:xfrm>
-            <a:off x="4319640" y="1604520"/>
-            <a:ext cx="3533040" cy="1896840"/>
+            <a:off x="4319280" y="1604520"/>
+            <a:ext cx="3532680" cy="1896840"/>
           </a:xfrm>
           <a:prstGeom prst="rect">
             <a:avLst/>
@@ -440,8 +440,8 @@
         </p:nvSpPr>
         <p:spPr>
           <a:xfrm>
-            <a:off x="8029800" y="1604520"/>
-            <a:ext cx="3533040" cy="1896840"/>
+            <a:off x="8028720" y="1604520"/>
+            <a:ext cx="3532680" cy="1896840"/>
           </a:xfrm>
           <a:prstGeom prst="rect">
             <a:avLst/>
@@ -471,7 +471,7 @@
         <p:spPr>
           <a:xfrm>
             <a:off x="609480" y="3682080"/>
-            <a:ext cx="3533040" cy="1896840"/>
+            <a:ext cx="3532680" cy="1896840"/>
           </a:xfrm>
           <a:prstGeom prst="rect">
             <a:avLst/>
@@ -500,8 +500,8 @@
         </p:nvSpPr>
         <p:spPr>
           <a:xfrm>
-            <a:off x="4319640" y="3682080"/>
-            <a:ext cx="3533040" cy="1896840"/>
+            <a:off x="4319280" y="3682080"/>
+            <a:ext cx="3532680" cy="1896840"/>
           </a:xfrm>
           <a:prstGeom prst="rect">
             <a:avLst/>
@@ -530,8 +530,8 @@
         </p:nvSpPr>
         <p:spPr>
           <a:xfrm>
-            <a:off x="8029800" y="3682080"/>
-            <a:ext cx="3533040" cy="1896840"/>
+            <a:off x="8028720" y="3682080"/>
+            <a:ext cx="3532680" cy="1896840"/>
           </a:xfrm>
           <a:prstGeom prst="rect">
             <a:avLst/>
@@ -605,7 +605,7 @@
         <p:spPr>
           <a:xfrm>
             <a:off x="576000" y="207000"/>
-            <a:ext cx="11040480" cy="1151280"/>
+            <a:ext cx="11040120" cy="1150920"/>
           </a:xfrm>
           <a:prstGeom prst="rect">
             <a:avLst/>
@@ -634,7 +634,7 @@
         <p:spPr>
           <a:xfrm>
             <a:off x="609480" y="1604520"/>
-            <a:ext cx="10972440" cy="3977280"/>
+            <a:ext cx="10972080" cy="3976920"/>
           </a:xfrm>
           <a:prstGeom prst="rect">
             <a:avLst/>
@@ -685,7 +685,7 @@
         <p:spPr>
           <a:xfrm>
             <a:off x="576000" y="207000"/>
-            <a:ext cx="11040480" cy="1151280"/>
+            <a:ext cx="11040120" cy="1150920"/>
           </a:xfrm>
           <a:prstGeom prst="rect">
             <a:avLst/>
@@ -714,7 +714,7 @@
         <p:spPr>
           <a:xfrm>
             <a:off x="609480" y="1604520"/>
-            <a:ext cx="10972440" cy="3977280"/>
+            <a:ext cx="10972080" cy="3976920"/>
           </a:xfrm>
           <a:prstGeom prst="rect">
             <a:avLst/>
@@ -766,7 +766,7 @@
         <p:spPr>
           <a:xfrm>
             <a:off x="576000" y="207000"/>
-            <a:ext cx="11040480" cy="1151280"/>
+            <a:ext cx="11040120" cy="1150920"/>
           </a:xfrm>
           <a:prstGeom prst="rect">
             <a:avLst/>
@@ -795,7 +795,7 @@
         <p:spPr>
           <a:xfrm>
             <a:off x="609480" y="1604520"/>
-            <a:ext cx="5354280" cy="3977280"/>
+            <a:ext cx="5354280" cy="3976920"/>
           </a:xfrm>
           <a:prstGeom prst="rect">
             <a:avLst/>
@@ -825,7 +825,7 @@
         <p:spPr>
           <a:xfrm>
             <a:off x="6231960" y="1604520"/>
-            <a:ext cx="5354280" cy="3977280"/>
+            <a:ext cx="5354280" cy="3976920"/>
           </a:xfrm>
           <a:prstGeom prst="rect">
             <a:avLst/>
@@ -877,7 +877,7 @@
         <p:spPr>
           <a:xfrm>
             <a:off x="576000" y="207000"/>
-            <a:ext cx="11040480" cy="1151280"/>
+            <a:ext cx="11040120" cy="1150920"/>
           </a:xfrm>
           <a:prstGeom prst="rect">
             <a:avLst/>
@@ -928,7 +928,7 @@
         <p:spPr>
           <a:xfrm>
             <a:off x="576000" y="207000"/>
-            <a:ext cx="11040480" cy="5338080"/>
+            <a:ext cx="11040120" cy="5336280"/>
           </a:xfrm>
           <a:prstGeom prst="rect">
             <a:avLst/>
@@ -979,7 +979,7 @@
         <p:spPr>
           <a:xfrm>
             <a:off x="576000" y="207000"/>
-            <a:ext cx="11040480" cy="1151280"/>
+            <a:ext cx="11040120" cy="1150920"/>
           </a:xfrm>
           <a:prstGeom prst="rect">
             <a:avLst/>
@@ -1038,7 +1038,7 @@
         <p:spPr>
           <a:xfrm>
             <a:off x="6231960" y="1604520"/>
-            <a:ext cx="5354280" cy="3977280"/>
+            <a:ext cx="5354280" cy="3976920"/>
           </a:xfrm>
           <a:prstGeom prst="rect">
             <a:avLst/>
@@ -1120,7 +1120,7 @@
         <p:spPr>
           <a:xfrm>
             <a:off x="576000" y="207000"/>
-            <a:ext cx="11040480" cy="1151280"/>
+            <a:ext cx="11040120" cy="1150920"/>
           </a:xfrm>
           <a:prstGeom prst="rect">
             <a:avLst/>
@@ -1149,7 +1149,7 @@
         <p:spPr>
           <a:xfrm>
             <a:off x="609480" y="1604520"/>
-            <a:ext cx="10972440" cy="3977280"/>
+            <a:ext cx="10972080" cy="3976920"/>
           </a:xfrm>
           <a:prstGeom prst="rect">
             <a:avLst/>
@@ -1200,7 +1200,7 @@
         <p:spPr>
           <a:xfrm>
             <a:off x="576000" y="207000"/>
-            <a:ext cx="11040480" cy="1151280"/>
+            <a:ext cx="11040120" cy="1150920"/>
           </a:xfrm>
           <a:prstGeom prst="rect">
             <a:avLst/>
@@ -1229,7 +1229,7 @@
         <p:spPr>
           <a:xfrm>
             <a:off x="609480" y="1604520"/>
-            <a:ext cx="5354280" cy="3977280"/>
+            <a:ext cx="5354280" cy="3976920"/>
           </a:xfrm>
           <a:prstGeom prst="rect">
             <a:avLst/>
@@ -1341,7 +1341,7 @@
         <p:spPr>
           <a:xfrm>
             <a:off x="576000" y="207000"/>
-            <a:ext cx="11040480" cy="1151280"/>
+            <a:ext cx="11040120" cy="1150920"/>
           </a:xfrm>
           <a:prstGeom prst="rect">
             <a:avLst/>
@@ -1430,7 +1430,7 @@
         <p:spPr>
           <a:xfrm>
             <a:off x="609480" y="3682080"/>
-            <a:ext cx="10972440" cy="1896840"/>
+            <a:ext cx="10972080" cy="1896840"/>
           </a:xfrm>
           <a:prstGeom prst="rect">
             <a:avLst/>
@@ -1482,7 +1482,7 @@
         <p:spPr>
           <a:xfrm>
             <a:off x="576000" y="207000"/>
-            <a:ext cx="11040480" cy="1151280"/>
+            <a:ext cx="11040120" cy="1150920"/>
           </a:xfrm>
           <a:prstGeom prst="rect">
             <a:avLst/>
@@ -1511,7 +1511,7 @@
         <p:spPr>
           <a:xfrm>
             <a:off x="609480" y="1604520"/>
-            <a:ext cx="10972440" cy="1896840"/>
+            <a:ext cx="10972080" cy="1896840"/>
           </a:xfrm>
           <a:prstGeom prst="rect">
             <a:avLst/>
@@ -1541,7 +1541,7 @@
         <p:spPr>
           <a:xfrm>
             <a:off x="609480" y="3682080"/>
-            <a:ext cx="10972440" cy="1896840"/>
+            <a:ext cx="10972080" cy="1896840"/>
           </a:xfrm>
           <a:prstGeom prst="rect">
             <a:avLst/>
@@ -1593,7 +1593,7 @@
         <p:spPr>
           <a:xfrm>
             <a:off x="576000" y="207000"/>
-            <a:ext cx="11040480" cy="1151280"/>
+            <a:ext cx="11040120" cy="1150920"/>
           </a:xfrm>
           <a:prstGeom prst="rect">
             <a:avLst/>
@@ -1764,7 +1764,7 @@
         <p:spPr>
           <a:xfrm>
             <a:off x="576000" y="207000"/>
-            <a:ext cx="11040480" cy="1151280"/>
+            <a:ext cx="11040120" cy="1150920"/>
           </a:xfrm>
           <a:prstGeom prst="rect">
             <a:avLst/>
@@ -1793,7 +1793,7 @@
         <p:spPr>
           <a:xfrm>
             <a:off x="609480" y="1604520"/>
-            <a:ext cx="3533040" cy="1896840"/>
+            <a:ext cx="3532680" cy="1896840"/>
           </a:xfrm>
           <a:prstGeom prst="rect">
             <a:avLst/>
@@ -1822,8 +1822,8 @@
         </p:nvSpPr>
         <p:spPr>
           <a:xfrm>
-            <a:off x="4319640" y="1604520"/>
-            <a:ext cx="3533040" cy="1896840"/>
+            <a:off x="4319280" y="1604520"/>
+            <a:ext cx="3532680" cy="1896840"/>
           </a:xfrm>
           <a:prstGeom prst="rect">
             <a:avLst/>
@@ -1852,8 +1852,8 @@
         </p:nvSpPr>
         <p:spPr>
           <a:xfrm>
-            <a:off x="8029800" y="1604520"/>
-            <a:ext cx="3533040" cy="1896840"/>
+            <a:off x="8028720" y="1604520"/>
+            <a:ext cx="3532680" cy="1896840"/>
           </a:xfrm>
           <a:prstGeom prst="rect">
             <a:avLst/>
@@ -1883,7 +1883,7 @@
         <p:spPr>
           <a:xfrm>
             <a:off x="609480" y="3682080"/>
-            <a:ext cx="3533040" cy="1896840"/>
+            <a:ext cx="3532680" cy="1896840"/>
           </a:xfrm>
           <a:prstGeom prst="rect">
             <a:avLst/>
@@ -1912,8 +1912,8 @@
         </p:nvSpPr>
         <p:spPr>
           <a:xfrm>
-            <a:off x="4319640" y="3682080"/>
-            <a:ext cx="3533040" cy="1896840"/>
+            <a:off x="4319280" y="3682080"/>
+            <a:ext cx="3532680" cy="1896840"/>
           </a:xfrm>
           <a:prstGeom prst="rect">
             <a:avLst/>
@@ -1942,8 +1942,8 @@
         </p:nvSpPr>
         <p:spPr>
           <a:xfrm>
-            <a:off x="8029800" y="3682080"/>
-            <a:ext cx="3533040" cy="1896840"/>
+            <a:off x="8028720" y="3682080"/>
+            <a:ext cx="3532680" cy="1896840"/>
           </a:xfrm>
           <a:prstGeom prst="rect">
             <a:avLst/>
@@ -2017,7 +2017,7 @@
         <p:spPr>
           <a:xfrm>
             <a:off x="576000" y="207000"/>
-            <a:ext cx="11040480" cy="1151280"/>
+            <a:ext cx="11040120" cy="1150920"/>
           </a:xfrm>
           <a:prstGeom prst="rect">
             <a:avLst/>
@@ -2046,7 +2046,7 @@
         <p:spPr>
           <a:xfrm>
             <a:off x="609480" y="1604520"/>
-            <a:ext cx="10972440" cy="3977280"/>
+            <a:ext cx="10972080" cy="3976920"/>
           </a:xfrm>
           <a:prstGeom prst="rect">
             <a:avLst/>
@@ -2097,7 +2097,7 @@
         <p:spPr>
           <a:xfrm>
             <a:off x="576000" y="207000"/>
-            <a:ext cx="11040480" cy="1151280"/>
+            <a:ext cx="11040120" cy="1150920"/>
           </a:xfrm>
           <a:prstGeom prst="rect">
             <a:avLst/>
@@ -2126,7 +2126,7 @@
         <p:spPr>
           <a:xfrm>
             <a:off x="609480" y="1604520"/>
-            <a:ext cx="10972440" cy="3977280"/>
+            <a:ext cx="10972080" cy="3976920"/>
           </a:xfrm>
           <a:prstGeom prst="rect">
             <a:avLst/>
@@ -2178,7 +2178,7 @@
         <p:spPr>
           <a:xfrm>
             <a:off x="576000" y="207000"/>
-            <a:ext cx="11040480" cy="1151280"/>
+            <a:ext cx="11040120" cy="1150920"/>
           </a:xfrm>
           <a:prstGeom prst="rect">
             <a:avLst/>
@@ -2207,7 +2207,7 @@
         <p:spPr>
           <a:xfrm>
             <a:off x="609480" y="1604520"/>
-            <a:ext cx="5354280" cy="3977280"/>
+            <a:ext cx="5354280" cy="3976920"/>
           </a:xfrm>
           <a:prstGeom prst="rect">
             <a:avLst/>
@@ -2237,7 +2237,7 @@
         <p:spPr>
           <a:xfrm>
             <a:off x="6231960" y="1604520"/>
-            <a:ext cx="5354280" cy="3977280"/>
+            <a:ext cx="5354280" cy="3976920"/>
           </a:xfrm>
           <a:prstGeom prst="rect">
             <a:avLst/>
@@ -2289,7 +2289,7 @@
         <p:spPr>
           <a:xfrm>
             <a:off x="576000" y="207000"/>
-            <a:ext cx="11040480" cy="1151280"/>
+            <a:ext cx="11040120" cy="1150920"/>
           </a:xfrm>
           <a:prstGeom prst="rect">
             <a:avLst/>
@@ -2340,7 +2340,7 @@
         <p:spPr>
           <a:xfrm>
             <a:off x="576000" y="207000"/>
-            <a:ext cx="11040480" cy="1151280"/>
+            <a:ext cx="11040120" cy="1150920"/>
           </a:xfrm>
           <a:prstGeom prst="rect">
             <a:avLst/>
@@ -2369,7 +2369,7 @@
         <p:spPr>
           <a:xfrm>
             <a:off x="609480" y="1604520"/>
-            <a:ext cx="10972440" cy="3977280"/>
+            <a:ext cx="10972080" cy="3976920"/>
           </a:xfrm>
           <a:prstGeom prst="rect">
             <a:avLst/>
@@ -2421,7 +2421,7 @@
         <p:spPr>
           <a:xfrm>
             <a:off x="576000" y="207000"/>
-            <a:ext cx="11040480" cy="5338080"/>
+            <a:ext cx="11040120" cy="5336280"/>
           </a:xfrm>
           <a:prstGeom prst="rect">
             <a:avLst/>
@@ -2472,7 +2472,7 @@
         <p:spPr>
           <a:xfrm>
             <a:off x="576000" y="207000"/>
-            <a:ext cx="11040480" cy="1151280"/>
+            <a:ext cx="11040120" cy="1150920"/>
           </a:xfrm>
           <a:prstGeom prst="rect">
             <a:avLst/>
@@ -2531,7 +2531,7 @@
         <p:spPr>
           <a:xfrm>
             <a:off x="6231960" y="1604520"/>
-            <a:ext cx="5354280" cy="3977280"/>
+            <a:ext cx="5354280" cy="3976920"/>
           </a:xfrm>
           <a:prstGeom prst="rect">
             <a:avLst/>
@@ -2613,7 +2613,7 @@
         <p:spPr>
           <a:xfrm>
             <a:off x="576000" y="207000"/>
-            <a:ext cx="11040480" cy="1151280"/>
+            <a:ext cx="11040120" cy="1150920"/>
           </a:xfrm>
           <a:prstGeom prst="rect">
             <a:avLst/>
@@ -2642,7 +2642,7 @@
         <p:spPr>
           <a:xfrm>
             <a:off x="609480" y="1604520"/>
-            <a:ext cx="5354280" cy="3977280"/>
+            <a:ext cx="5354280" cy="3976920"/>
           </a:xfrm>
           <a:prstGeom prst="rect">
             <a:avLst/>
@@ -2754,7 +2754,7 @@
         <p:spPr>
           <a:xfrm>
             <a:off x="576000" y="207000"/>
-            <a:ext cx="11040480" cy="1151280"/>
+            <a:ext cx="11040120" cy="1150920"/>
           </a:xfrm>
           <a:prstGeom prst="rect">
             <a:avLst/>
@@ -2843,7 +2843,7 @@
         <p:spPr>
           <a:xfrm>
             <a:off x="609480" y="3682080"/>
-            <a:ext cx="10972440" cy="1896840"/>
+            <a:ext cx="10972080" cy="1896840"/>
           </a:xfrm>
           <a:prstGeom prst="rect">
             <a:avLst/>
@@ -2895,7 +2895,7 @@
         <p:spPr>
           <a:xfrm>
             <a:off x="576000" y="207000"/>
-            <a:ext cx="11040480" cy="1151280"/>
+            <a:ext cx="11040120" cy="1150920"/>
           </a:xfrm>
           <a:prstGeom prst="rect">
             <a:avLst/>
@@ -2924,7 +2924,7 @@
         <p:spPr>
           <a:xfrm>
             <a:off x="609480" y="1604520"/>
-            <a:ext cx="10972440" cy="1896840"/>
+            <a:ext cx="10972080" cy="1896840"/>
           </a:xfrm>
           <a:prstGeom prst="rect">
             <a:avLst/>
@@ -2954,7 +2954,7 @@
         <p:spPr>
           <a:xfrm>
             <a:off x="609480" y="3682080"/>
-            <a:ext cx="10972440" cy="1896840"/>
+            <a:ext cx="10972080" cy="1896840"/>
           </a:xfrm>
           <a:prstGeom prst="rect">
             <a:avLst/>
@@ -3006,7 +3006,7 @@
         <p:spPr>
           <a:xfrm>
             <a:off x="576000" y="207000"/>
-            <a:ext cx="11040480" cy="1151280"/>
+            <a:ext cx="11040120" cy="1150920"/>
           </a:xfrm>
           <a:prstGeom prst="rect">
             <a:avLst/>
@@ -3177,7 +3177,7 @@
         <p:spPr>
           <a:xfrm>
             <a:off x="576000" y="207000"/>
-            <a:ext cx="11040480" cy="1151280"/>
+            <a:ext cx="11040120" cy="1150920"/>
           </a:xfrm>
           <a:prstGeom prst="rect">
             <a:avLst/>
@@ -3206,7 +3206,7 @@
         <p:spPr>
           <a:xfrm>
             <a:off x="609480" y="1604520"/>
-            <a:ext cx="3533040" cy="1896840"/>
+            <a:ext cx="3532680" cy="1896840"/>
           </a:xfrm>
           <a:prstGeom prst="rect">
             <a:avLst/>
@@ -3235,8 +3235,8 @@
         </p:nvSpPr>
         <p:spPr>
           <a:xfrm>
-            <a:off x="4319640" y="1604520"/>
-            <a:ext cx="3533040" cy="1896840"/>
+            <a:off x="4319280" y="1604520"/>
+            <a:ext cx="3532680" cy="1896840"/>
           </a:xfrm>
           <a:prstGeom prst="rect">
             <a:avLst/>
@@ -3265,8 +3265,8 @@
         </p:nvSpPr>
         <p:spPr>
           <a:xfrm>
-            <a:off x="8029800" y="1604520"/>
-            <a:ext cx="3533040" cy="1896840"/>
+            <a:off x="8028720" y="1604520"/>
+            <a:ext cx="3532680" cy="1896840"/>
           </a:xfrm>
           <a:prstGeom prst="rect">
             <a:avLst/>
@@ -3296,7 +3296,7 @@
         <p:spPr>
           <a:xfrm>
             <a:off x="609480" y="3682080"/>
-            <a:ext cx="3533040" cy="1896840"/>
+            <a:ext cx="3532680" cy="1896840"/>
           </a:xfrm>
           <a:prstGeom prst="rect">
             <a:avLst/>
@@ -3325,8 +3325,8 @@
         </p:nvSpPr>
         <p:spPr>
           <a:xfrm>
-            <a:off x="4319640" y="3682080"/>
-            <a:ext cx="3533040" cy="1896840"/>
+            <a:off x="4319280" y="3682080"/>
+            <a:ext cx="3532680" cy="1896840"/>
           </a:xfrm>
           <a:prstGeom prst="rect">
             <a:avLst/>
@@ -3355,8 +3355,8 @@
         </p:nvSpPr>
         <p:spPr>
           <a:xfrm>
-            <a:off x="8029800" y="3682080"/>
-            <a:ext cx="3533040" cy="1896840"/>
+            <a:off x="8028720" y="3682080"/>
+            <a:ext cx="3532680" cy="1896840"/>
           </a:xfrm>
           <a:prstGeom prst="rect">
             <a:avLst/>
@@ -3408,7 +3408,7 @@
         <p:spPr>
           <a:xfrm>
             <a:off x="576000" y="207000"/>
-            <a:ext cx="11040480" cy="1151280"/>
+            <a:ext cx="11040120" cy="1150920"/>
           </a:xfrm>
           <a:prstGeom prst="rect">
             <a:avLst/>
@@ -3437,7 +3437,7 @@
         <p:spPr>
           <a:xfrm>
             <a:off x="609480" y="1604520"/>
-            <a:ext cx="5354280" cy="3977280"/>
+            <a:ext cx="5354280" cy="3976920"/>
           </a:xfrm>
           <a:prstGeom prst="rect">
             <a:avLst/>
@@ -3467,7 +3467,7 @@
         <p:spPr>
           <a:xfrm>
             <a:off x="6231960" y="1604520"/>
-            <a:ext cx="5354280" cy="3977280"/>
+            <a:ext cx="5354280" cy="3976920"/>
           </a:xfrm>
           <a:prstGeom prst="rect">
             <a:avLst/>
@@ -3519,7 +3519,7 @@
         <p:spPr>
           <a:xfrm>
             <a:off x="576000" y="207000"/>
-            <a:ext cx="11040480" cy="1151280"/>
+            <a:ext cx="11040120" cy="1150920"/>
           </a:xfrm>
           <a:prstGeom prst="rect">
             <a:avLst/>
@@ -3570,7 +3570,7 @@
         <p:spPr>
           <a:xfrm>
             <a:off x="576000" y="207000"/>
-            <a:ext cx="11040480" cy="5338080"/>
+            <a:ext cx="11040120" cy="5336280"/>
           </a:xfrm>
           <a:prstGeom prst="rect">
             <a:avLst/>
@@ -3621,7 +3621,7 @@
         <p:spPr>
           <a:xfrm>
             <a:off x="576000" y="207000"/>
-            <a:ext cx="11040480" cy="1151280"/>
+            <a:ext cx="11040120" cy="1150920"/>
           </a:xfrm>
           <a:prstGeom prst="rect">
             <a:avLst/>
@@ -3680,7 +3680,7 @@
         <p:spPr>
           <a:xfrm>
             <a:off x="6231960" y="1604520"/>
-            <a:ext cx="5354280" cy="3977280"/>
+            <a:ext cx="5354280" cy="3976920"/>
           </a:xfrm>
           <a:prstGeom prst="rect">
             <a:avLst/>
@@ -3762,7 +3762,7 @@
         <p:spPr>
           <a:xfrm>
             <a:off x="576000" y="207000"/>
-            <a:ext cx="11040480" cy="1151280"/>
+            <a:ext cx="11040120" cy="1150920"/>
           </a:xfrm>
           <a:prstGeom prst="rect">
             <a:avLst/>
@@ -3791,7 +3791,7 @@
         <p:spPr>
           <a:xfrm>
             <a:off x="609480" y="1604520"/>
-            <a:ext cx="5354280" cy="3977280"/>
+            <a:ext cx="5354280" cy="3976920"/>
           </a:xfrm>
           <a:prstGeom prst="rect">
             <a:avLst/>
@@ -3903,7 +3903,7 @@
         <p:spPr>
           <a:xfrm>
             <a:off x="576000" y="207000"/>
-            <a:ext cx="11040480" cy="1151280"/>
+            <a:ext cx="11040120" cy="1150920"/>
           </a:xfrm>
           <a:prstGeom prst="rect">
             <a:avLst/>
@@ -3992,7 +3992,7 @@
         <p:spPr>
           <a:xfrm>
             <a:off x="609480" y="3682080"/>
-            <a:ext cx="10972440" cy="1896840"/>
+            <a:ext cx="10972080" cy="1896840"/>
           </a:xfrm>
           <a:prstGeom prst="rect">
             <a:avLst/>
@@ -4047,7 +4047,7 @@
         <p:spPr>
           <a:xfrm>
             <a:off x="0" y="6210000"/>
-            <a:ext cx="12191400" cy="647280"/>
+            <a:ext cx="12191040" cy="646920"/>
           </a:xfrm>
           <a:prstGeom prst="rect">
             <a:avLst/>
@@ -4079,7 +4079,7 @@
         <p:spPr>
           <a:xfrm>
             <a:off x="11041200" y="6354000"/>
-            <a:ext cx="1007640" cy="359280"/>
+            <a:ext cx="1007280" cy="358920"/>
           </a:xfrm>
           <a:prstGeom prst="rect">
             <a:avLst/>
@@ -4098,7 +4098,7 @@
         <p:spPr>
           <a:xfrm>
             <a:off x="0" y="0"/>
-            <a:ext cx="12192480" cy="6857280"/>
+            <a:ext cx="12192120" cy="6856920"/>
           </a:xfrm>
           <a:prstGeom prst="rect">
             <a:avLst/>
@@ -4126,7 +4126,7 @@
         <p:spPr>
           <a:xfrm>
             <a:off x="0" y="648000"/>
-            <a:ext cx="12192480" cy="6209280"/>
+            <a:ext cx="12192120" cy="6208920"/>
           </a:xfrm>
           <a:prstGeom prst="rect">
             <a:avLst/>
@@ -4154,7 +4154,7 @@
         <p:spPr>
           <a:xfrm>
             <a:off x="0" y="648000"/>
-            <a:ext cx="12192480" cy="4456080"/>
+            <a:ext cx="12192120" cy="4455720"/>
           </a:xfrm>
           <a:prstGeom prst="rect">
             <a:avLst/>
@@ -4186,7 +4186,7 @@
         <p:spPr>
           <a:xfrm>
             <a:off x="360000" y="360000"/>
-            <a:ext cx="2017440" cy="719280"/>
+            <a:ext cx="2017080" cy="718920"/>
           </a:xfrm>
           <a:prstGeom prst="rect">
             <a:avLst/>
@@ -4505,7 +4505,7 @@
         <p:spPr>
           <a:xfrm>
             <a:off x="0" y="6210000"/>
-            <a:ext cx="12191400" cy="647280"/>
+            <a:ext cx="12191040" cy="646920"/>
           </a:xfrm>
           <a:prstGeom prst="rect">
             <a:avLst/>
@@ -4537,7 +4537,7 @@
         <p:spPr>
           <a:xfrm>
             <a:off x="11041200" y="6354000"/>
-            <a:ext cx="1007640" cy="359280"/>
+            <a:ext cx="1007280" cy="358920"/>
           </a:xfrm>
           <a:prstGeom prst="rect">
             <a:avLst/>
@@ -4559,8 +4559,8 @@
         </p:nvSpPr>
         <p:spPr>
           <a:xfrm>
-            <a:off x="576000" y="207000"/>
-            <a:ext cx="11040480" cy="1151280"/>
+            <a:off x="609480" y="273600"/>
+            <a:ext cx="10972440" cy="1144800"/>
           </a:xfrm>
           <a:prstGeom prst="rect">
             <a:avLst/>
@@ -4569,13 +4569,14 @@
         <p:txBody>
           <a:bodyPr lIns="0" rIns="0" tIns="0" bIns="0" anchor="ctr"/>
           <a:p>
+            <a:pPr algn="ctr"/>
             <a:r>
-              <a:rPr b="0" lang="en-GB" sz="1800" spc="-1" strike="noStrike">
+              <a:rPr b="0" lang="en-GB" sz="4400" spc="-1" strike="noStrike">
                 <a:latin typeface="Arial"/>
               </a:rPr>
               <a:t>Click to edit the title text format</a:t>
             </a:r>
-            <a:endParaRPr b="0" lang="en-GB" sz="1800" spc="-1" strike="noStrike">
+            <a:endParaRPr b="0" lang="en-GB" sz="4400" spc="-1" strike="noStrike">
               <a:latin typeface="Arial"/>
             </a:endParaRPr>
           </a:p>
@@ -4594,7 +4595,7 @@
         <p:spPr>
           <a:xfrm>
             <a:off x="609480" y="1604520"/>
-            <a:ext cx="10972080" cy="3976920"/>
+            <a:ext cx="10972440" cy="3977280"/>
           </a:xfrm>
           <a:prstGeom prst="rect">
             <a:avLst/>
@@ -4617,12 +4618,12 @@
               <a:buChar char=""/>
             </a:pPr>
             <a:r>
-              <a:rPr b="0" lang="en-GB" sz="1800" spc="-1" strike="noStrike">
+              <a:rPr b="0" lang="en-GB" sz="3200" spc="-1" strike="noStrike">
                 <a:latin typeface="Arial"/>
               </a:rPr>
               <a:t>Click to edit the outline text format</a:t>
             </a:r>
-            <a:endParaRPr b="0" lang="en-GB" sz="1800" spc="-1" strike="noStrike">
+            <a:endParaRPr b="0" lang="en-GB" sz="3200" spc="-1" strike="noStrike">
               <a:latin typeface="Arial"/>
             </a:endParaRPr>
           </a:p>
@@ -4639,12 +4640,12 @@
               <a:buChar char=""/>
             </a:pPr>
             <a:r>
-              <a:rPr b="0" lang="en-GB" sz="1800" spc="-1" strike="noStrike">
+              <a:rPr b="0" lang="en-GB" sz="2800" spc="-1" strike="noStrike">
                 <a:latin typeface="Arial"/>
               </a:rPr>
               <a:t>Second Outline Level</a:t>
             </a:r>
-            <a:endParaRPr b="0" lang="en-GB" sz="1800" spc="-1" strike="noStrike">
+            <a:endParaRPr b="0" lang="en-GB" sz="2800" spc="-1" strike="noStrike">
               <a:latin typeface="Arial"/>
             </a:endParaRPr>
           </a:p>
@@ -4661,12 +4662,12 @@
               <a:buChar char=""/>
             </a:pPr>
             <a:r>
-              <a:rPr b="0" lang="en-GB" sz="1800" spc="-1" strike="noStrike">
+              <a:rPr b="0" lang="en-GB" sz="2400" spc="-1" strike="noStrike">
                 <a:latin typeface="Arial"/>
               </a:rPr>
               <a:t>Third Outline Level</a:t>
             </a:r>
-            <a:endParaRPr b="0" lang="en-GB" sz="1800" spc="-1" strike="noStrike">
+            <a:endParaRPr b="0" lang="en-GB" sz="2400" spc="-1" strike="noStrike">
               <a:latin typeface="Arial"/>
             </a:endParaRPr>
           </a:p>
@@ -4683,12 +4684,12 @@
               <a:buChar char=""/>
             </a:pPr>
             <a:r>
-              <a:rPr b="0" lang="en-GB" sz="1800" spc="-1" strike="noStrike">
+              <a:rPr b="0" lang="en-GB" sz="2000" spc="-1" strike="noStrike">
                 <a:latin typeface="Arial"/>
               </a:rPr>
               <a:t>Fourth Outline Level</a:t>
             </a:r>
-            <a:endParaRPr b="0" lang="en-GB" sz="1800" spc="-1" strike="noStrike">
+            <a:endParaRPr b="0" lang="en-GB" sz="2000" spc="-1" strike="noStrike">
               <a:latin typeface="Arial"/>
             </a:endParaRPr>
           </a:p>
@@ -4705,12 +4706,12 @@
               <a:buChar char=""/>
             </a:pPr>
             <a:r>
-              <a:rPr b="0" lang="en-GB" sz="1800" spc="-1" strike="noStrike">
+              <a:rPr b="0" lang="en-GB" sz="2000" spc="-1" strike="noStrike">
                 <a:latin typeface="Arial"/>
               </a:rPr>
               <a:t>Fifth Outline Level</a:t>
             </a:r>
-            <a:endParaRPr b="0" lang="en-GB" sz="1800" spc="-1" strike="noStrike">
+            <a:endParaRPr b="0" lang="en-GB" sz="2000" spc="-1" strike="noStrike">
               <a:latin typeface="Arial"/>
             </a:endParaRPr>
           </a:p>
@@ -4727,12 +4728,12 @@
               <a:buChar char=""/>
             </a:pPr>
             <a:r>
-              <a:rPr b="0" lang="en-GB" sz="1800" spc="-1" strike="noStrike">
+              <a:rPr b="0" lang="en-GB" sz="2000" spc="-1" strike="noStrike">
                 <a:latin typeface="Arial"/>
               </a:rPr>
               <a:t>Sixth Outline Level</a:t>
             </a:r>
-            <a:endParaRPr b="0" lang="en-GB" sz="1800" spc="-1" strike="noStrike">
+            <a:endParaRPr b="0" lang="en-GB" sz="2000" spc="-1" strike="noStrike">
               <a:latin typeface="Arial"/>
             </a:endParaRPr>
           </a:p>
@@ -4749,12 +4750,12 @@
               <a:buChar char=""/>
             </a:pPr>
             <a:r>
-              <a:rPr b="0" lang="en-GB" sz="1800" spc="-1" strike="noStrike">
+              <a:rPr b="0" lang="en-GB" sz="2000" spc="-1" strike="noStrike">
                 <a:latin typeface="Arial"/>
               </a:rPr>
               <a:t>Seventh Outline Level</a:t>
             </a:r>
-            <a:endParaRPr b="0" lang="en-GB" sz="1800" spc="-1" strike="noStrike">
+            <a:endParaRPr b="0" lang="en-GB" sz="2000" spc="-1" strike="noStrike">
               <a:latin typeface="Arial"/>
             </a:endParaRPr>
           </a:p>
@@ -4813,7 +4814,7 @@
         <p:spPr>
           <a:xfrm>
             <a:off x="0" y="6210000"/>
-            <a:ext cx="12191400" cy="647280"/>
+            <a:ext cx="12191040" cy="646920"/>
           </a:xfrm>
           <a:prstGeom prst="rect">
             <a:avLst/>
@@ -4845,7 +4846,7 @@
         <p:spPr>
           <a:xfrm>
             <a:off x="11041200" y="6354000"/>
-            <a:ext cx="1007640" cy="359280"/>
+            <a:ext cx="1007280" cy="358920"/>
           </a:xfrm>
           <a:prstGeom prst="rect">
             <a:avLst/>
@@ -4868,7 +4869,7 @@
         <p:spPr>
           <a:xfrm>
             <a:off x="576000" y="207000"/>
-            <a:ext cx="11040480" cy="1151280"/>
+            <a:ext cx="11040120" cy="1150920"/>
           </a:xfrm>
           <a:prstGeom prst="rect">
             <a:avLst/>
@@ -4902,7 +4903,7 @@
         <p:spPr>
           <a:xfrm>
             <a:off x="609480" y="1604520"/>
-            <a:ext cx="10972440" cy="3977280"/>
+            <a:ext cx="10972080" cy="3976920"/>
           </a:xfrm>
           <a:prstGeom prst="rect">
             <a:avLst/>
@@ -4925,12 +4926,12 @@
               <a:buChar char=""/>
             </a:pPr>
             <a:r>
-              <a:rPr b="0" lang="en-GB" sz="3200" spc="-1" strike="noStrike">
+              <a:rPr b="0" lang="en-GB" sz="1800" spc="-1" strike="noStrike">
                 <a:latin typeface="Arial"/>
               </a:rPr>
               <a:t>Click to edit the outline text format</a:t>
             </a:r>
-            <a:endParaRPr b="0" lang="en-GB" sz="3200" spc="-1" strike="noStrike">
+            <a:endParaRPr b="0" lang="en-GB" sz="1800" spc="-1" strike="noStrike">
               <a:latin typeface="Arial"/>
             </a:endParaRPr>
           </a:p>
@@ -4947,12 +4948,12 @@
               <a:buChar char=""/>
             </a:pPr>
             <a:r>
-              <a:rPr b="0" lang="en-GB" sz="2800" spc="-1" strike="noStrike">
+              <a:rPr b="0" lang="en-GB" sz="1800" spc="-1" strike="noStrike">
                 <a:latin typeface="Arial"/>
               </a:rPr>
               <a:t>Second Outline Level</a:t>
             </a:r>
-            <a:endParaRPr b="0" lang="en-GB" sz="2800" spc="-1" strike="noStrike">
+            <a:endParaRPr b="0" lang="en-GB" sz="1800" spc="-1" strike="noStrike">
               <a:latin typeface="Arial"/>
             </a:endParaRPr>
           </a:p>
@@ -4969,12 +4970,12 @@
               <a:buChar char=""/>
             </a:pPr>
             <a:r>
-              <a:rPr b="0" lang="en-GB" sz="2400" spc="-1" strike="noStrike">
+              <a:rPr b="0" lang="en-GB" sz="1800" spc="-1" strike="noStrike">
                 <a:latin typeface="Arial"/>
               </a:rPr>
               <a:t>Third Outline Level</a:t>
             </a:r>
-            <a:endParaRPr b="0" lang="en-GB" sz="2400" spc="-1" strike="noStrike">
+            <a:endParaRPr b="0" lang="en-GB" sz="1800" spc="-1" strike="noStrike">
               <a:latin typeface="Arial"/>
             </a:endParaRPr>
           </a:p>
@@ -4991,12 +4992,12 @@
               <a:buChar char=""/>
             </a:pPr>
             <a:r>
-              <a:rPr b="0" lang="en-GB" sz="2000" spc="-1" strike="noStrike">
+              <a:rPr b="0" lang="en-GB" sz="1800" spc="-1" strike="noStrike">
                 <a:latin typeface="Arial"/>
               </a:rPr>
               <a:t>Fourth Outline Level</a:t>
             </a:r>
-            <a:endParaRPr b="0" lang="en-GB" sz="2000" spc="-1" strike="noStrike">
+            <a:endParaRPr b="0" lang="en-GB" sz="1800" spc="-1" strike="noStrike">
               <a:latin typeface="Arial"/>
             </a:endParaRPr>
           </a:p>
@@ -5013,12 +5014,12 @@
               <a:buChar char=""/>
             </a:pPr>
             <a:r>
-              <a:rPr b="0" lang="en-GB" sz="2000" spc="-1" strike="noStrike">
+              <a:rPr b="0" lang="en-GB" sz="1800" spc="-1" strike="noStrike">
                 <a:latin typeface="Arial"/>
               </a:rPr>
               <a:t>Fifth Outline Level</a:t>
             </a:r>
-            <a:endParaRPr b="0" lang="en-GB" sz="2000" spc="-1" strike="noStrike">
+            <a:endParaRPr b="0" lang="en-GB" sz="1800" spc="-1" strike="noStrike">
               <a:latin typeface="Arial"/>
             </a:endParaRPr>
           </a:p>
@@ -5035,12 +5036,12 @@
               <a:buChar char=""/>
             </a:pPr>
             <a:r>
-              <a:rPr b="0" lang="en-GB" sz="2000" spc="-1" strike="noStrike">
+              <a:rPr b="0" lang="en-GB" sz="1800" spc="-1" strike="noStrike">
                 <a:latin typeface="Arial"/>
               </a:rPr>
               <a:t>Sixth Outline Level</a:t>
             </a:r>
-            <a:endParaRPr b="0" lang="en-GB" sz="2000" spc="-1" strike="noStrike">
+            <a:endParaRPr b="0" lang="en-GB" sz="1800" spc="-1" strike="noStrike">
               <a:latin typeface="Arial"/>
             </a:endParaRPr>
           </a:p>
@@ -5057,12 +5058,12 @@
               <a:buChar char=""/>
             </a:pPr>
             <a:r>
-              <a:rPr b="0" lang="en-GB" sz="2000" spc="-1" strike="noStrike">
+              <a:rPr b="0" lang="en-GB" sz="1800" spc="-1" strike="noStrike">
                 <a:latin typeface="Arial"/>
               </a:rPr>
               <a:t>Seventh Outline Level</a:t>
             </a:r>
-            <a:endParaRPr b="0" lang="en-GB" sz="2000" spc="-1" strike="noStrike">
+            <a:endParaRPr b="0" lang="en-GB" sz="1800" spc="-1" strike="noStrike">
               <a:latin typeface="Arial"/>
             </a:endParaRPr>
           </a:p>
@@ -5114,7 +5115,7 @@
         <p:spPr>
           <a:xfrm>
             <a:off x="576000" y="1080000"/>
-            <a:ext cx="6095880" cy="4024080"/>
+            <a:ext cx="6095520" cy="4023720"/>
           </a:xfrm>
           <a:prstGeom prst="rect">
             <a:avLst/>
@@ -5144,6 +5145,7 @@
                   <a:srgbClr val="ffffff"/>
                 </a:solidFill>
                 <a:latin typeface="Arial"/>
+                <a:ea typeface="DejaVu Sans"/>
               </a:rPr>
               <a:t>Optimalisatietechnieken</a:t>
             </a:r>
@@ -5154,6 +5156,7 @@
                   <a:srgbClr val="ffffff"/>
                 </a:solidFill>
                 <a:latin typeface="Arial"/>
+                <a:ea typeface="DejaVu Sans"/>
               </a:rPr>
               <a:t>Opdracht TVH</a:t>
             </a:r>
@@ -5172,7 +5175,7 @@
         <p:spPr>
           <a:xfrm>
             <a:off x="576000" y="5184000"/>
-            <a:ext cx="3455640" cy="1583640"/>
+            <a:ext cx="3455280" cy="1583280"/>
           </a:xfrm>
           <a:prstGeom prst="rect">
             <a:avLst/>
@@ -5202,6 +5205,7 @@
                   <a:srgbClr val="2f4d5d"/>
                 </a:solidFill>
                 <a:latin typeface="Arial"/>
+                <a:ea typeface="DejaVu Sans"/>
               </a:rPr>
               <a:t>Jarne Clarysse</a:t>
             </a:r>
@@ -5221,6 +5225,7 @@
                   <a:srgbClr val="2f4d5d"/>
                 </a:solidFill>
                 <a:latin typeface="Arial"/>
+                <a:ea typeface="DejaVu Sans"/>
               </a:rPr>
               <a:t>Joran De Wilde</a:t>
             </a:r>
@@ -5240,6 +5245,7 @@
                   <a:srgbClr val="2f4d5d"/>
                 </a:solidFill>
                 <a:latin typeface="Arial"/>
+                <a:ea typeface="DejaVu Sans"/>
               </a:rPr>
               <a:t>Maarten Vervaeke</a:t>
             </a:r>
@@ -5259,6 +5265,7 @@
                   <a:srgbClr val="2f4d5d"/>
                 </a:solidFill>
                 <a:latin typeface="Arial"/>
+                <a:ea typeface="DejaVu Sans"/>
               </a:rPr>
               <a:t>Ruben Mechelinck</a:t>
             </a:r>
@@ -5280,8 +5287,8 @@
         </p:blipFill>
         <p:spPr>
           <a:xfrm>
-            <a:off x="6984000" y="1654200"/>
-            <a:ext cx="4571640" cy="2971080"/>
+            <a:off x="6935040" y="936360"/>
+            <a:ext cx="5016960" cy="3887640"/>
           </a:xfrm>
           <a:prstGeom prst="rect">
             <a:avLst/>
@@ -5349,7 +5356,7 @@
         <p:spPr>
           <a:xfrm>
             <a:off x="576000" y="207000"/>
-            <a:ext cx="11040480" cy="1151280"/>
+            <a:ext cx="11040120" cy="1150920"/>
           </a:xfrm>
           <a:prstGeom prst="rect">
             <a:avLst/>
@@ -5379,6 +5386,7 @@
                   <a:srgbClr val="1d8db0"/>
                 </a:solidFill>
                 <a:latin typeface="Arial"/>
+                <a:ea typeface="DejaVu Sans"/>
               </a:rPr>
               <a:t>Constructive Heuristic</a:t>
             </a:r>
@@ -5397,7 +5405,7 @@
         <p:spPr>
           <a:xfrm>
             <a:off x="609480" y="1604520"/>
-            <a:ext cx="10972080" cy="3976920"/>
+            <a:ext cx="10971720" cy="3976560"/>
           </a:xfrm>
           <a:prstGeom prst="rect">
             <a:avLst/>
@@ -5418,7 +5426,7 @@
             <a:normAutofit/>
           </a:bodyPr>
           <a:p>
-            <a:pPr marL="432000" indent="-323640">
+            <a:pPr marL="432000" indent="-323280">
               <a:lnSpc>
                 <a:spcPct val="100000"/>
               </a:lnSpc>
@@ -5438,8 +5446,58 @@
                   <a:srgbClr val="2f4d5d"/>
                 </a:solidFill>
                 <a:latin typeface="Arial"/>
+                <a:ea typeface="DejaVu Sans"/>
               </a:rPr>
-              <a:t>Not guaranteed to be feasable</a:t>
+              <a:t>Assign requests to best truck (still feasable)</a:t>
+            </a:r>
+            <a:endParaRPr b="0" lang="en-GB" sz="2800" spc="-1" strike="noStrike">
+              <a:latin typeface="Arial"/>
+            </a:endParaRPr>
+          </a:p>
+          <a:p>
+            <a:pPr marL="432000" indent="-323280">
+              <a:lnSpc>
+                <a:spcPct val="100000"/>
+              </a:lnSpc>
+              <a:spcBef>
+                <a:spcPts val="1417"/>
+              </a:spcBef>
+              <a:buClr>
+                <a:srgbClr val="000000"/>
+              </a:buClr>
+              <a:buSzPct val="45000"/>
+              <a:buFont typeface="Wingdings" charset="2"/>
+              <a:buChar char=""/>
+            </a:pPr>
+            <a:r>
+              <a:rPr b="0" lang="en-GB" sz="2800" spc="-1" strike="noStrike">
+                <a:solidFill>
+                  <a:srgbClr val="2f4d5d"/>
+                </a:solidFill>
+                <a:latin typeface="Arial"/>
+                <a:ea typeface="DejaVu Sans"/>
+              </a:rPr>
+              <a:t>Remaining requests </a:t>
+            </a:r>
+            <a:r>
+              <a:rPr b="0" lang="en-GB" sz="2800" spc="-1" strike="noStrike">
+                <a:solidFill>
+                  <a:srgbClr val="2f4d5d"/>
+                </a:solidFill>
+                <a:latin typeface="TeX Gyre Bonum Math"/>
+                <a:ea typeface="TeX Gyre Bonum Math"/>
+              </a:rPr>
+              <a:t>→</a:t>
+            </a:r>
+            <a:r>
+              <a:rPr b="0" lang="en-GB" sz="2800" spc="-1" strike="noStrike">
+                <a:solidFill>
+                  <a:srgbClr val="2f4d5d"/>
+                </a:solidFill>
+                <a:latin typeface="Arial"/>
+                <a:ea typeface="DejaVu Sans"/>
+              </a:rPr>
+              <a:t> increase truck working time (infeasable)</a:t>
             </a:r>
             <a:endParaRPr b="0" lang="en-GB" sz="2800" spc="-1" strike="noStrike">
               <a:latin typeface="Arial"/>
@@ -5505,7 +5563,7 @@
         <p:spPr>
           <a:xfrm>
             <a:off x="576000" y="207000"/>
-            <a:ext cx="11040480" cy="1151280"/>
+            <a:ext cx="11040120" cy="1150920"/>
           </a:xfrm>
           <a:prstGeom prst="rect">
             <a:avLst/>
@@ -5535,6 +5593,7 @@
                   <a:srgbClr val="1d8db0"/>
                 </a:solidFill>
                 <a:latin typeface="Arial"/>
+                <a:ea typeface="DejaVu Sans"/>
               </a:rPr>
               <a:t>Neighbourhood Moves</a:t>
             </a:r>
@@ -5553,7 +5612,7 @@
         <p:spPr>
           <a:xfrm>
             <a:off x="609480" y="1604520"/>
-            <a:ext cx="10972080" cy="3976920"/>
+            <a:ext cx="10971720" cy="3976560"/>
           </a:xfrm>
           <a:prstGeom prst="rect">
             <a:avLst/>
@@ -5574,7 +5633,7 @@
             <a:normAutofit/>
           </a:bodyPr>
           <a:p>
-            <a:pPr marL="432000" indent="-323640">
+            <a:pPr marL="432000" indent="-323280">
               <a:lnSpc>
                 <a:spcPct val="100000"/>
               </a:lnSpc>
@@ -5594,10 +5653,115 @@
                   <a:srgbClr val="2f4d5d"/>
                 </a:solidFill>
                 <a:latin typeface="Arial"/>
+                <a:ea typeface="DejaVu Sans"/>
               </a:rPr>
               <a:t>Hill climbing</a:t>
             </a:r>
             <a:endParaRPr b="0" lang="en-GB" sz="2800" spc="-1" strike="noStrike">
+              <a:latin typeface="Arial"/>
+            </a:endParaRPr>
+          </a:p>
+          <a:p>
+            <a:pPr marL="432000" indent="-323280">
+              <a:spcBef>
+                <a:spcPts val="1417"/>
+              </a:spcBef>
+              <a:buClr>
+                <a:srgbClr val="000000"/>
+              </a:buClr>
+              <a:buSzPct val="45000"/>
+              <a:buFont typeface="Wingdings" charset="2"/>
+              <a:buChar char=""/>
+            </a:pPr>
+            <a:r>
+              <a:rPr b="0" lang="en-GB" sz="2800" spc="-1" strike="noStrike">
+                <a:solidFill>
+                  <a:srgbClr val="2f4d5d"/>
+                </a:solidFill>
+                <a:latin typeface="Arial"/>
+                <a:ea typeface="DejaVu Sans"/>
+              </a:rPr>
+              <a:t>3 moves</a:t>
+            </a:r>
+            <a:endParaRPr b="0" lang="en-GB" sz="2800" spc="-1" strike="noStrike">
+              <a:latin typeface="Arial"/>
+            </a:endParaRPr>
+          </a:p>
+          <a:p>
+            <a:pPr lvl="2" marL="648000" indent="-216000">
+              <a:spcBef>
+                <a:spcPts val="1134"/>
+              </a:spcBef>
+              <a:buClr>
+                <a:srgbClr val="000000"/>
+              </a:buClr>
+              <a:buSzPct val="45000"/>
+              <a:buFont typeface="Wingdings" charset="2"/>
+              <a:buChar char=""/>
+            </a:pPr>
+            <a:r>
+              <a:rPr b="0" lang="en-GB" sz="2200" spc="-1" strike="noStrike">
+                <a:solidFill>
+                  <a:srgbClr val="2f4d5d"/>
+                </a:solidFill>
+                <a:latin typeface="Arial"/>
+                <a:ea typeface="TeX Gyre Termes Math"/>
+              </a:rPr>
+              <a:t>Move request between trucks</a:t>
+            </a:r>
+            <a:endParaRPr b="0" lang="en-GB" sz="2200" spc="-1" strike="noStrike">
+              <a:latin typeface="Arial"/>
+            </a:endParaRPr>
+          </a:p>
+          <a:p>
+            <a:pPr lvl="2" marL="648000" indent="-216000">
+              <a:spcBef>
+                <a:spcPts val="1134"/>
+              </a:spcBef>
+              <a:buClr>
+                <a:srgbClr val="000000"/>
+              </a:buClr>
+              <a:buSzPct val="45000"/>
+              <a:buFont typeface="Wingdings" charset="2"/>
+              <a:buChar char=""/>
+            </a:pPr>
+            <a:r>
+              <a:rPr b="0" lang="en-GB" sz="2200" spc="-1" strike="noStrike">
+                <a:solidFill>
+                  <a:srgbClr val="2f4d5d"/>
+                </a:solidFill>
+                <a:latin typeface="Arial"/>
+                <a:ea typeface="TeX Gyre Termes Math"/>
+              </a:rPr>
+              <a:t>Move a request pair within a truck</a:t>
+            </a:r>
+            <a:endParaRPr b="0" lang="en-GB" sz="2200" spc="-1" strike="noStrike">
+              <a:latin typeface="Arial"/>
+            </a:endParaRPr>
+          </a:p>
+          <a:p>
+            <a:pPr lvl="2" marL="648000" indent="-216000">
+              <a:spcBef>
+                <a:spcPts val="1134"/>
+              </a:spcBef>
+              <a:buClr>
+                <a:srgbClr val="000000"/>
+              </a:buClr>
+              <a:buSzPct val="45000"/>
+              <a:buFont typeface="Wingdings" charset="2"/>
+              <a:buChar char=""/>
+            </a:pPr>
+            <a:r>
+              <a:rPr b="0" lang="en-GB" sz="2200" spc="-1" strike="noStrike">
+                <a:solidFill>
+                  <a:srgbClr val="2f4d5d"/>
+                </a:solidFill>
+                <a:latin typeface="Arial"/>
+                <a:ea typeface="TeX Gyre Termes Math"/>
+              </a:rPr>
+              <a:t>Move a depot of a request</a:t>
+            </a:r>
+            <a:endParaRPr b="0" lang="en-GB" sz="2200" spc="-1" strike="noStrike">
               <a:latin typeface="Arial"/>
             </a:endParaRPr>
           </a:p>
@@ -5661,7 +5825,7 @@
         <p:spPr>
           <a:xfrm>
             <a:off x="576000" y="207000"/>
-            <a:ext cx="11040480" cy="1151280"/>
+            <a:ext cx="11040120" cy="1150920"/>
           </a:xfrm>
           <a:prstGeom prst="rect">
             <a:avLst/>
@@ -5691,6 +5855,7 @@
                   <a:srgbClr val="1d8db0"/>
                 </a:solidFill>
                 <a:latin typeface="Arial"/>
+                <a:ea typeface="DejaVu Sans"/>
               </a:rPr>
               <a:t>Local Search &amp; Simulated Annealing</a:t>
             </a:r>
@@ -5709,7 +5874,7 @@
         <p:spPr>
           <a:xfrm>
             <a:off x="609480" y="1604520"/>
-            <a:ext cx="10972080" cy="3976920"/>
+            <a:ext cx="10971720" cy="3976560"/>
           </a:xfrm>
           <a:prstGeom prst="rect">
             <a:avLst/>
@@ -5730,7 +5895,7 @@
             <a:normAutofit/>
           </a:bodyPr>
           <a:p>
-            <a:pPr marL="432000" indent="-323640">
+            <a:pPr marL="432000" indent="-323280">
               <a:lnSpc>
                 <a:spcPct val="100000"/>
               </a:lnSpc>
@@ -5749,6 +5914,7 @@
                   <a:srgbClr val="2f4d5d"/>
                 </a:solidFill>
                 <a:latin typeface="Arial"/>
+                <a:ea typeface="DejaVu Sans"/>
               </a:rPr>
               <a:t>Inititial solution not feasable </a:t>
             </a:r>
@@ -5767,7 +5933,7 @@
             </a:endParaRPr>
           </a:p>
           <a:p>
-            <a:pPr lvl="1" marL="864000" indent="-323640">
+            <a:pPr lvl="1" marL="864000" indent="-323280">
               <a:lnSpc>
                 <a:spcPct val="100000"/>
               </a:lnSpc>
@@ -5795,7 +5961,7 @@
             </a:endParaRPr>
           </a:p>
           <a:p>
-            <a:pPr marL="432000" indent="-323640">
+            <a:pPr marL="432000" indent="-323280">
               <a:lnSpc>
                 <a:spcPct val="100000"/>
               </a:lnSpc>
@@ -5823,7 +5989,7 @@
             </a:endParaRPr>
           </a:p>
           <a:p>
-            <a:pPr lvl="1" marL="864000" indent="-323640">
+            <a:pPr lvl="1" marL="864000" indent="-323280">
               <a:lnSpc>
                 <a:spcPct val="100000"/>
               </a:lnSpc>
@@ -5851,7 +6017,7 @@
             </a:endParaRPr>
           </a:p>
           <a:p>
-            <a:pPr lvl="1" marL="864000" indent="-323640">
+            <a:pPr lvl="1" marL="864000" indent="-323280">
               <a:lnSpc>
                 <a:spcPct val="100000"/>
               </a:lnSpc>
@@ -5891,7 +6057,7 @@
             <p:spPr>
               <a:xfrm>
                 <a:off x="5756760" y="3262320"/>
-                <a:ext cx="719280" cy="359280"/>
+                <a:ext cx="718920" cy="358920"/>
               </a:xfrm>
               <a:prstGeom prst="rect">
                 <a:avLst/>
@@ -5967,7 +6133,7 @@
         <p:spPr>
           <a:xfrm>
             <a:off x="576000" y="207000"/>
-            <a:ext cx="11040480" cy="1151280"/>
+            <a:ext cx="11040120" cy="1150920"/>
           </a:xfrm>
           <a:prstGeom prst="rect">
             <a:avLst/>
@@ -5997,6 +6163,7 @@
                   <a:srgbClr val="1d8db0"/>
                 </a:solidFill>
                 <a:latin typeface="Arial"/>
+                <a:ea typeface="DejaVu Sans"/>
               </a:rPr>
               <a:t>Best Results</a:t>
             </a:r>
@@ -6014,7 +6181,7 @@
         </p:nvGraphicFramePr>
         <p:xfrm>
           <a:off x="730440" y="2920680"/>
-          <a:ext cx="10870920" cy="1615320"/>
+          <a:ext cx="10870920" cy="1614960"/>
         </p:xfrm>
         <a:graphic>
           <a:graphicData uri="http://schemas.openxmlformats.org/drawingml/2006/table">
@@ -6408,6 +6575,22 @@
                   </a:tcPr>
                 </a:tc>
                 <a:tc>
+                  <a:txBody>
+                    <a:bodyPr lIns="90000" rIns="90000" anchor="ctr"/>
+                    <a:p>
+                      <a:pPr algn="ctr"/>
+                      <a:r>
+                        <a:rPr b="0" lang="en-GB" sz="2400" spc="-1" strike="noStrike">
+                          <a:latin typeface="Arial"/>
+                        </a:rPr>
+                        <a:t>1325</a:t>
+                      </a:r>
+                      <a:endParaRPr b="0" lang="en-GB" sz="2400" spc="-1" strike="noStrike">
+                        <a:latin typeface="Arial"/>
+                        <a:ea typeface="AR PL SungtiL GB"/>
+                      </a:endParaRPr>
+                    </a:p>
+                  </a:txBody>
                   <a:tcPr marL="90000" marR="90000">
                     <a:lnR w="720">
                       <a:solidFill>
@@ -6425,6 +6608,22 @@
                   </a:tcPr>
                 </a:tc>
                 <a:tc>
+                  <a:txBody>
+                    <a:bodyPr lIns="90000" rIns="90000" anchor="ctr"/>
+                    <a:p>
+                      <a:pPr algn="ctr"/>
+                      <a:r>
+                        <a:rPr b="0" lang="en-GB" sz="2400" spc="-1" strike="noStrike">
+                          <a:latin typeface="Arial"/>
+                        </a:rPr>
+                        <a:t>6825</a:t>
+                      </a:r>
+                      <a:endParaRPr b="0" lang="en-GB" sz="2400" spc="-1" strike="noStrike">
+                        <a:latin typeface="Arial"/>
+                        <a:ea typeface="AR PL SungtiL GB"/>
+                      </a:endParaRPr>
+                    </a:p>
+                  </a:txBody>
                   <a:tcPr marL="90000" marR="90000">
                     <a:lnL w="720">
                       <a:solidFill>
@@ -6447,6 +6646,22 @@
                   </a:tcPr>
                 </a:tc>
                 <a:tc>
+                  <a:txBody>
+                    <a:bodyPr lIns="90000" rIns="90000" anchor="ctr"/>
+                    <a:p>
+                      <a:pPr algn="ctr"/>
+                      <a:r>
+                        <a:rPr b="0" lang="en-GB" sz="2400" spc="-1" strike="noStrike">
+                          <a:latin typeface="Arial"/>
+                        </a:rPr>
+                        <a:t>7644</a:t>
+                      </a:r>
+                      <a:endParaRPr b="0" lang="en-GB" sz="2400" spc="-1" strike="noStrike">
+                        <a:latin typeface="Arial"/>
+                        <a:ea typeface="AR PL SungtiL GB"/>
+                      </a:endParaRPr>
+                    </a:p>
+                  </a:txBody>
                   <a:tcPr marL="90000" marR="90000">
                     <a:lnL w="720">
                       <a:solidFill>
@@ -6469,6 +6684,22 @@
                   </a:tcPr>
                 </a:tc>
                 <a:tc>
+                  <a:txBody>
+                    <a:bodyPr lIns="90000" rIns="90000" anchor="ctr"/>
+                    <a:p>
+                      <a:pPr algn="ctr"/>
+                      <a:r>
+                        <a:rPr b="0" lang="en-GB" sz="2400" spc="-1" strike="noStrike">
+                          <a:latin typeface="Arial"/>
+                        </a:rPr>
+                        <a:t>8466</a:t>
+                      </a:r>
+                      <a:endParaRPr b="0" lang="en-GB" sz="2400" spc="-1" strike="noStrike">
+                        <a:latin typeface="Arial"/>
+                        <a:ea typeface="AR PL SungtiL GB"/>
+                      </a:endParaRPr>
+                    </a:p>
+                  </a:txBody>
                   <a:tcPr marL="90000" marR="90000">
                     <a:lnL w="720">
                       <a:solidFill>
@@ -6491,6 +6722,22 @@
                   </a:tcPr>
                 </a:tc>
                 <a:tc>
+                  <a:txBody>
+                    <a:bodyPr lIns="90000" rIns="90000" anchor="ctr"/>
+                    <a:p>
+                      <a:pPr algn="ctr"/>
+                      <a:r>
+                        <a:rPr b="0" lang="en-GB" sz="2400" spc="-1" strike="noStrike">
+                          <a:latin typeface="Arial"/>
+                        </a:rPr>
+                        <a:t>7985</a:t>
+                      </a:r>
+                      <a:endParaRPr b="0" lang="en-GB" sz="2400" spc="-1" strike="noStrike">
+                        <a:latin typeface="Arial"/>
+                        <a:ea typeface="AR PL SungtiL GB"/>
+                      </a:endParaRPr>
+                    </a:p>
+                  </a:txBody>
                   <a:tcPr marL="90000" marR="90000">
                     <a:lnL w="720">
                       <a:solidFill>
@@ -6513,6 +6760,22 @@
                   </a:tcPr>
                 </a:tc>
                 <a:tc>
+                  <a:txBody>
+                    <a:bodyPr lIns="90000" rIns="90000" anchor="ctr"/>
+                    <a:p>
+                      <a:pPr algn="ctr"/>
+                      <a:r>
+                        <a:rPr b="0" lang="en-GB" sz="2400" spc="-1" strike="noStrike">
+                          <a:latin typeface="Arial"/>
+                        </a:rPr>
+                        <a:t>7650</a:t>
+                      </a:r>
+                      <a:endParaRPr b="0" lang="en-GB" sz="2400" spc="-1" strike="noStrike">
+                        <a:latin typeface="Arial"/>
+                        <a:ea typeface="AR PL SungtiL GB"/>
+                      </a:endParaRPr>
+                    </a:p>
+                  </a:txBody>
                   <a:tcPr marL="90000" marR="90000">
                     <a:lnL w="720">
                       <a:solidFill>
@@ -6548,7 +6811,7 @@
         <p:spPr>
           <a:xfrm>
             <a:off x="609480" y="1604520"/>
-            <a:ext cx="10972080" cy="3976920"/>
+            <a:ext cx="10971720" cy="3976560"/>
           </a:xfrm>
           <a:prstGeom prst="rect">
             <a:avLst/>
@@ -6567,7 +6830,7 @@
         <p:txBody>
           <a:bodyPr lIns="0" rIns="0" tIns="0" bIns="0"/>
           <a:p>
-            <a:pPr marL="432000" indent="-323640">
+            <a:pPr marL="432000" indent="-323280">
               <a:lnSpc>
                 <a:spcPct val="100000"/>
               </a:lnSpc>
@@ -6587,6 +6850,7 @@
                   <a:srgbClr val="2f4d5d"/>
                 </a:solidFill>
                 <a:latin typeface="Arial"/>
+                <a:ea typeface="DejaVu Sans"/>
               </a:rPr>
               <a:t>30 min </a:t>
             </a:r>
@@ -6595,7 +6859,7 @@
             </a:endParaRPr>
           </a:p>
           <a:p>
-            <a:pPr marL="432000" indent="-323640">
+            <a:pPr marL="432000" indent="-323280">
               <a:lnSpc>
                 <a:spcPct val="100000"/>
               </a:lnSpc>
@@ -6615,6 +6879,7 @@
                   <a:srgbClr val="2f4d5d"/>
                 </a:solidFill>
                 <a:latin typeface="Arial"/>
+                <a:ea typeface="DejaVu Sans"/>
               </a:rPr>
               <a:t>Different seeds</a:t>
             </a:r>
